--- a/AI/EdgeComputing/EdgeComputing_Pi_Jetson.pptx
+++ b/AI/EdgeComputing/EdgeComputing_Pi_Jetson.pptx
@@ -9,8 +9,8 @@
     <p:sldId id="257" r:id="rId3"/>
     <p:sldId id="258" r:id="rId4"/>
     <p:sldId id="259" r:id="rId5"/>
-    <p:sldId id="260" r:id="rId6"/>
-    <p:sldId id="261" r:id="rId7"/>
+    <p:sldId id="261" r:id="rId6"/>
+    <p:sldId id="260" r:id="rId7"/>
   </p:sldIdLst>
   <p:sldSz cx="12192000" cy="6858000"/>
   <p:notesSz cx="6858000" cy="9144000"/>
@@ -3752,18 +3752,10 @@
           <a:lstStyle/>
           <a:p>
             <a:r>
-              <a:rPr lang="en-US" dirty="0" smtClean="0"/>
-              <a:t>Running YOLO </a:t>
-            </a:r>
-            <a:r>
-              <a:rPr lang="en-US" dirty="0" err="1" smtClean="0"/>
-              <a:t>darknet</a:t>
-            </a:r>
-            <a:r>
-              <a:rPr lang="en-US" dirty="0" smtClean="0"/>
-              <a:t> on the Pi AI HAT</a:t>
-            </a:r>
-            <a:endParaRPr lang="en-US" dirty="0"/>
+              <a:rPr lang="en-US" smtClean="0"/>
+              <a:t>Running YOLO darknet on Jetson Orin Nano</a:t>
+            </a:r>
+            <a:endParaRPr lang="en-US"/>
           </a:p>
         </p:txBody>
       </p:sp>
@@ -3782,6 +3774,10 @@
           <a:bodyPr/>
           <a:lstStyle/>
           <a:p>
+            <a:r>
+              <a:rPr lang="en-US" dirty="0"/>
+              <a:t>Latest version: </a:t>
+            </a:r>
             <a:r>
               <a:rPr lang="en-US" dirty="0">
                 <a:hlinkClick r:id="rId2"/>
@@ -3792,7 +3788,7 @@
               <a:rPr lang="en-US" dirty="0" smtClean="0">
                 <a:hlinkClick r:id="rId2"/>
               </a:rPr>
-              <a:t>github.com/hailo-ai/darknet</a:t>
+              <a:t>github.com/hank-ai/darknet</a:t>
             </a:r>
             <a:endParaRPr lang="en-US" dirty="0" smtClean="0"/>
           </a:p>
@@ -3800,34 +3796,58 @@
             <a:pPr lvl="1"/>
             <a:r>
               <a:rPr lang="en-US" dirty="0" smtClean="0"/>
-              <a:t>Although it’s in the </a:t>
-            </a:r>
-            <a:r>
-              <a:rPr lang="en-US" dirty="0" err="1" smtClean="0"/>
-              <a:t>Hailo</a:t>
-            </a:r>
-            <a:r>
-              <a:rPr lang="en-US" dirty="0" smtClean="0"/>
-              <a:t> general repo this actually does NOT have anything to do with the Raspberry Pi AI HAT </a:t>
-            </a:r>
-            <a:r>
-              <a:rPr lang="en-US" dirty="0" err="1" smtClean="0"/>
-              <a:t>hailo</a:t>
-            </a:r>
-            <a:r>
-              <a:rPr lang="en-US" dirty="0" smtClean="0"/>
-              <a:t> module!!</a:t>
-            </a:r>
-          </a:p>
-          <a:p>
-            <a:pPr lvl="2"/>
-            <a:r>
-              <a:rPr lang="en-US" dirty="0" smtClean="0"/>
-              <a:t>It was just forked from </a:t>
-            </a:r>
-            <a:r>
-              <a:rPr lang="en-US" dirty="0" err="1" smtClean="0"/>
-              <a:t>AlexeyAB</a:t>
+              <a:t>Follow the instructions to </a:t>
+            </a:r>
+            <a:r>
+              <a:rPr lang="en-US" dirty="0" err="1" smtClean="0"/>
+              <a:t>cmake</a:t>
+            </a:r>
+            <a:r>
+              <a:rPr lang="en-US" dirty="0" smtClean="0"/>
+              <a:t> it on Linux</a:t>
+            </a:r>
+          </a:p>
+          <a:p>
+            <a:pPr lvl="1"/>
+            <a:r>
+              <a:rPr lang="en-US" dirty="0" smtClean="0"/>
+              <a:t>Install the </a:t>
+            </a:r>
+            <a:r>
+              <a:rPr lang="en-US" dirty="0" err="1" smtClean="0"/>
+              <a:t>pkg</a:t>
+            </a:r>
+            <a:r>
+              <a:rPr lang="en-US" dirty="0" smtClean="0"/>
+              <a:t> file it makes so you can run </a:t>
+            </a:r>
+            <a:r>
+              <a:rPr lang="en-US" dirty="0" err="1" smtClean="0"/>
+              <a:t>darknet</a:t>
+            </a:r>
+            <a:r>
+              <a:rPr lang="en-US" dirty="0" smtClean="0"/>
+              <a:t> from anywhere</a:t>
+            </a:r>
+          </a:p>
+          <a:p>
+            <a:r>
+              <a:rPr lang="en-US" dirty="0" smtClean="0"/>
+              <a:t>On the Jetson Orin Nano it will use the GPU (on Pi it will NOT)</a:t>
+            </a:r>
+          </a:p>
+          <a:p>
+            <a:r>
+              <a:rPr lang="en-US" dirty="0" err="1" smtClean="0"/>
+              <a:t>darknet</a:t>
+            </a:r>
+            <a:r>
+              <a:rPr lang="en-US" dirty="0" smtClean="0"/>
+              <a:t> detector test </a:t>
+            </a:r>
+            <a:r>
+              <a:rPr lang="en-US" dirty="0" err="1" smtClean="0"/>
+              <a:t>cfg</a:t>
             </a:r>
             <a:r>
               <a:rPr lang="en-US" dirty="0" smtClean="0"/>
@@ -3835,41 +3855,57 @@
             </a:r>
             <a:r>
               <a:rPr lang="en-US" dirty="0" err="1" smtClean="0"/>
-              <a:t>darknet</a:t>
-            </a:r>
-            <a:r>
-              <a:rPr lang="en-US" dirty="0" smtClean="0"/>
-              <a:t> and not really modified</a:t>
-            </a:r>
-          </a:p>
-          <a:p>
-            <a:r>
-              <a:rPr lang="en-US" dirty="0" smtClean="0"/>
-              <a:t>To use YOLO </a:t>
-            </a:r>
-            <a:r>
-              <a:rPr lang="en-US" dirty="0" err="1" smtClean="0"/>
-              <a:t>darknet</a:t>
-            </a:r>
-            <a:r>
-              <a:rPr lang="en-US" dirty="0" smtClean="0"/>
-              <a:t> would take a lot of work to convert over the model using </a:t>
-            </a:r>
-            <a:r>
-              <a:rPr lang="en-US" dirty="0" err="1" smtClean="0"/>
-              <a:t>hailo’s</a:t>
-            </a:r>
-            <a:r>
-              <a:rPr lang="en-US" dirty="0" smtClean="0"/>
-              <a:t> tools</a:t>
-            </a:r>
+              <a:t>coco.data</a:t>
+            </a:r>
+            <a:r>
+              <a:rPr lang="en-US" dirty="0" smtClean="0"/>
+              <a:t> </a:t>
+            </a:r>
+            <a:r>
+              <a:rPr lang="en-US" dirty="0" err="1" smtClean="0"/>
+              <a:t>cfg</a:t>
+            </a:r>
+            <a:r>
+              <a:rPr lang="en-US" dirty="0" smtClean="0"/>
+              <a:t>/yolov7.cfg </a:t>
+            </a:r>
+            <a:r>
+              <a:rPr lang="en-US" dirty="0" err="1" smtClean="0"/>
+              <a:t>cfg</a:t>
+            </a:r>
+            <a:r>
+              <a:rPr lang="en-US" dirty="0" smtClean="0"/>
+              <a:t>/yolov7.weights coco/dog_bike_car.jpg</a:t>
+            </a:r>
+          </a:p>
+          <a:p>
+            <a:pPr lvl="1"/>
+            <a:r>
+              <a:rPr lang="en-US" dirty="0" smtClean="0"/>
+              <a:t>This will return coordinates &amp; class for dog, bike &amp; truck</a:t>
+            </a:r>
+          </a:p>
+          <a:p>
+            <a:pPr lvl="1"/>
+            <a:r>
+              <a:rPr lang="en-US" dirty="0" smtClean="0"/>
+              <a:t>*Still takes 2 seconds – I assume it can run faster when loaded once and then quickly run on </a:t>
+            </a:r>
+            <a:r>
+              <a:rPr lang="en-US" smtClean="0"/>
+              <a:t>each image/frame…</a:t>
+            </a:r>
+            <a:endParaRPr lang="en-US" dirty="0" smtClean="0"/>
+          </a:p>
+          <a:p>
+            <a:endParaRPr lang="en-US" dirty="0"/>
           </a:p>
         </p:txBody>
       </p:sp>
     </p:spTree>
     <p:extLst>
       <p:ext uri="{BB962C8B-B14F-4D97-AF65-F5344CB8AC3E}">
-        <p14:creationId xmlns:p14="http://schemas.microsoft.com/office/powerpoint/2010/main" val="2415690236"/>
+        <p14:creationId xmlns:p14="http://schemas.microsoft.com/office/powerpoint/2010/main" val="1425444355"/>
       </p:ext>
     </p:extLst>
   </p:cSld>
@@ -3912,10 +3948,18 @@
           <a:lstStyle/>
           <a:p>
             <a:r>
-              <a:rPr lang="en-US" smtClean="0"/>
-              <a:t>Running YOLO darknet on Jetson Orin Nano</a:t>
-            </a:r>
-            <a:endParaRPr lang="en-US"/>
+              <a:rPr lang="en-US" dirty="0" smtClean="0"/>
+              <a:t>Running YOLO </a:t>
+            </a:r>
+            <a:r>
+              <a:rPr lang="en-US" dirty="0" err="1" smtClean="0"/>
+              <a:t>darknet</a:t>
+            </a:r>
+            <a:r>
+              <a:rPr lang="en-US" dirty="0" smtClean="0"/>
+              <a:t> on the Pi AI HAT</a:t>
+            </a:r>
+            <a:endParaRPr lang="en-US" dirty="0"/>
           </a:p>
         </p:txBody>
       </p:sp>
@@ -3935,17 +3979,117 @@
           <a:lstStyle/>
           <a:p>
             <a:r>
-              <a:rPr lang="en-US" smtClean="0"/>
-              <a:t>**Try this…</a:t>
-            </a:r>
-            <a:endParaRPr lang="en-US"/>
+              <a:rPr lang="en-US" dirty="0">
+                <a:hlinkClick r:id="rId2"/>
+              </a:rPr>
+              <a:t>https://</a:t>
+            </a:r>
+            <a:r>
+              <a:rPr lang="en-US" dirty="0" smtClean="0">
+                <a:hlinkClick r:id="rId2"/>
+              </a:rPr>
+              <a:t>github.com/hailo-ai/darknet</a:t>
+            </a:r>
+            <a:endParaRPr lang="en-US" dirty="0" smtClean="0"/>
+          </a:p>
+          <a:p>
+            <a:pPr lvl="1"/>
+            <a:r>
+              <a:rPr lang="en-US" dirty="0" smtClean="0"/>
+              <a:t>Although it’s in the </a:t>
+            </a:r>
+            <a:r>
+              <a:rPr lang="en-US" dirty="0" err="1" smtClean="0"/>
+              <a:t>Hailo</a:t>
+            </a:r>
+            <a:r>
+              <a:rPr lang="en-US" dirty="0" smtClean="0"/>
+              <a:t> general repo this actually does NOT have anything to do with the Raspberry Pi AI HAT </a:t>
+            </a:r>
+            <a:r>
+              <a:rPr lang="en-US" dirty="0" err="1" smtClean="0"/>
+              <a:t>hailo</a:t>
+            </a:r>
+            <a:r>
+              <a:rPr lang="en-US" dirty="0" smtClean="0"/>
+              <a:t> module!!</a:t>
+            </a:r>
+          </a:p>
+          <a:p>
+            <a:pPr lvl="2"/>
+            <a:r>
+              <a:rPr lang="en-US" dirty="0" smtClean="0"/>
+              <a:t>It was just forked from </a:t>
+            </a:r>
+            <a:r>
+              <a:rPr lang="en-US" dirty="0" err="1" smtClean="0"/>
+              <a:t>AlexeyAB</a:t>
+            </a:r>
+            <a:r>
+              <a:rPr lang="en-US" dirty="0" smtClean="0"/>
+              <a:t>/</a:t>
+            </a:r>
+            <a:r>
+              <a:rPr lang="en-US" dirty="0" err="1" smtClean="0"/>
+              <a:t>darknet</a:t>
+            </a:r>
+            <a:r>
+              <a:rPr lang="en-US" dirty="0" smtClean="0"/>
+              <a:t> and not really modified</a:t>
+            </a:r>
+          </a:p>
+          <a:p>
+            <a:r>
+              <a:rPr lang="en-US" dirty="0" smtClean="0"/>
+              <a:t>To use YOLO </a:t>
+            </a:r>
+            <a:r>
+              <a:rPr lang="en-US" dirty="0" err="1" smtClean="0"/>
+              <a:t>darknet</a:t>
+            </a:r>
+            <a:r>
+              <a:rPr lang="en-US" dirty="0" smtClean="0"/>
+              <a:t> on the Pi’s </a:t>
+            </a:r>
+            <a:r>
+              <a:rPr lang="en-US" dirty="0" err="1" smtClean="0"/>
+              <a:t>hailo</a:t>
+            </a:r>
+            <a:r>
+              <a:rPr lang="en-US" dirty="0" smtClean="0"/>
+              <a:t> GPU </a:t>
+            </a:r>
+            <a:r>
+              <a:rPr lang="en-US" dirty="0" smtClean="0"/>
+              <a:t>would take a lot of work to convert over the model using </a:t>
+            </a:r>
+            <a:r>
+              <a:rPr lang="en-US" dirty="0" err="1" smtClean="0"/>
+              <a:t>hailo’s</a:t>
+            </a:r>
+            <a:r>
+              <a:rPr lang="en-US" dirty="0" smtClean="0"/>
+              <a:t> </a:t>
+            </a:r>
+            <a:r>
+              <a:rPr lang="en-US" dirty="0" smtClean="0"/>
+              <a:t>tools.</a:t>
+            </a:r>
+          </a:p>
+          <a:p>
+            <a:pPr lvl="1"/>
+            <a:r>
+              <a:rPr lang="en-US" dirty="0" smtClean="0"/>
+              <a:t>The Pi can run it on the CPU, though</a:t>
+            </a:r>
+            <a:endParaRPr lang="en-US" dirty="0" smtClean="0"/>
           </a:p>
         </p:txBody>
       </p:sp>
     </p:spTree>
     <p:extLst>
       <p:ext uri="{BB962C8B-B14F-4D97-AF65-F5344CB8AC3E}">
-        <p14:creationId xmlns:p14="http://schemas.microsoft.com/office/powerpoint/2010/main" val="1425444355"/>
+        <p14:creationId xmlns:p14="http://schemas.microsoft.com/office/powerpoint/2010/main" val="2415690236"/>
       </p:ext>
     </p:extLst>
   </p:cSld>
